--- a/W8/W8S1/W8S1.pptx
+++ b/W8/W8S1/W8S1.pptx
@@ -303,7 +303,7 @@
   <pc:docChgLst>
     <pc:chgData name="Matthieu De Mari" userId="dfb708c9-d8dc-439f-9a3b-c772bf4a311c" providerId="ADAL" clId="{5AF9E225-0E3D-4808-B523-40F6E9A1D59D}"/>
     <pc:docChg chg="undo custSel mod addSld delSld modSld sldOrd modMainMaster addSection modSection">
-      <pc:chgData name="Matthieu De Mari" userId="dfb708c9-d8dc-439f-9a3b-c772bf4a311c" providerId="ADAL" clId="{5AF9E225-0E3D-4808-B523-40F6E9A1D59D}" dt="2023-03-14T09:08:16.163" v="4977" actId="113"/>
+      <pc:chgData name="Matthieu De Mari" userId="dfb708c9-d8dc-439f-9a3b-c772bf4a311c" providerId="ADAL" clId="{5AF9E225-0E3D-4808-B523-40F6E9A1D59D}" dt="2023-03-20T08:28:30.862" v="4980" actId="113"/>
       <pc:docMkLst>
         <pc:docMk/>
       </pc:docMkLst>
@@ -1133,13 +1133,13 @@
         </pc:spChg>
       </pc:sldChg>
       <pc:sldChg chg="modSp add mod">
-        <pc:chgData name="Matthieu De Mari" userId="dfb708c9-d8dc-439f-9a3b-c772bf4a311c" providerId="ADAL" clId="{5AF9E225-0E3D-4808-B523-40F6E9A1D59D}" dt="2023-03-02T07:41:39.244" v="2020" actId="27636"/>
+        <pc:chgData name="Matthieu De Mari" userId="dfb708c9-d8dc-439f-9a3b-c772bf4a311c" providerId="ADAL" clId="{5AF9E225-0E3D-4808-B523-40F6E9A1D59D}" dt="2023-03-20T08:28:30.862" v="4980" actId="113"/>
         <pc:sldMkLst>
           <pc:docMk/>
           <pc:sldMk cId="3941141626" sldId="279"/>
         </pc:sldMkLst>
         <pc:spChg chg="mod">
-          <ac:chgData name="Matthieu De Mari" userId="dfb708c9-d8dc-439f-9a3b-c772bf4a311c" providerId="ADAL" clId="{5AF9E225-0E3D-4808-B523-40F6E9A1D59D}" dt="2023-03-02T07:41:39.244" v="2020" actId="27636"/>
+          <ac:chgData name="Matthieu De Mari" userId="dfb708c9-d8dc-439f-9a3b-c772bf4a311c" providerId="ADAL" clId="{5AF9E225-0E3D-4808-B523-40F6E9A1D59D}" dt="2023-03-20T08:28:30.862" v="4980" actId="113"/>
           <ac:spMkLst>
             <pc:docMk/>
             <pc:sldMk cId="3941141626" sldId="279"/>
@@ -2271,7 +2271,7 @@
           <a:p>
             <a:fld id="{98CFC6A4-B085-437B-8084-693BEB2A32DE}" type="datetimeFigureOut">
               <a:rPr lang="en-SG" smtClean="0"/>
-              <a:t>14/3/2023</a:t>
+              <a:t>20/3/2023</a:t>
             </a:fld>
             <a:endParaRPr lang="en-SG"/>
           </a:p>
@@ -2772,7 +2772,7 @@
           <a:p>
             <a:fld id="{AB35F6B0-D468-4997-9CE3-CF2A1AE5E3F9}" type="datetimeFigureOut">
               <a:rPr lang="en-SG" smtClean="0"/>
-              <a:t>14/3/2023</a:t>
+              <a:t>20/3/2023</a:t>
             </a:fld>
             <a:endParaRPr lang="en-SG"/>
           </a:p>
@@ -2972,7 +2972,7 @@
           <a:p>
             <a:fld id="{AB35F6B0-D468-4997-9CE3-CF2A1AE5E3F9}" type="datetimeFigureOut">
               <a:rPr lang="en-SG" smtClean="0"/>
-              <a:t>14/3/2023</a:t>
+              <a:t>20/3/2023</a:t>
             </a:fld>
             <a:endParaRPr lang="en-SG"/>
           </a:p>
@@ -3182,7 +3182,7 @@
           <a:p>
             <a:fld id="{AB35F6B0-D468-4997-9CE3-CF2A1AE5E3F9}" type="datetimeFigureOut">
               <a:rPr lang="en-SG" smtClean="0"/>
-              <a:t>14/3/2023</a:t>
+              <a:t>20/3/2023</a:t>
             </a:fld>
             <a:endParaRPr lang="en-SG"/>
           </a:p>
@@ -3382,7 +3382,7 @@
           <a:p>
             <a:fld id="{AB35F6B0-D468-4997-9CE3-CF2A1AE5E3F9}" type="datetimeFigureOut">
               <a:rPr lang="en-SG" smtClean="0"/>
-              <a:t>14/3/2023</a:t>
+              <a:t>20/3/2023</a:t>
             </a:fld>
             <a:endParaRPr lang="en-SG"/>
           </a:p>
@@ -3658,7 +3658,7 @@
           <a:p>
             <a:fld id="{AB35F6B0-D468-4997-9CE3-CF2A1AE5E3F9}" type="datetimeFigureOut">
               <a:rPr lang="en-SG" smtClean="0"/>
-              <a:t>14/3/2023</a:t>
+              <a:t>20/3/2023</a:t>
             </a:fld>
             <a:endParaRPr lang="en-SG"/>
           </a:p>
@@ -3926,7 +3926,7 @@
           <a:p>
             <a:fld id="{AB35F6B0-D468-4997-9CE3-CF2A1AE5E3F9}" type="datetimeFigureOut">
               <a:rPr lang="en-SG" smtClean="0"/>
-              <a:t>14/3/2023</a:t>
+              <a:t>20/3/2023</a:t>
             </a:fld>
             <a:endParaRPr lang="en-SG"/>
           </a:p>
@@ -4341,7 +4341,7 @@
           <a:p>
             <a:fld id="{AB35F6B0-D468-4997-9CE3-CF2A1AE5E3F9}" type="datetimeFigureOut">
               <a:rPr lang="en-SG" smtClean="0"/>
-              <a:t>14/3/2023</a:t>
+              <a:t>20/3/2023</a:t>
             </a:fld>
             <a:endParaRPr lang="en-SG"/>
           </a:p>
@@ -4483,7 +4483,7 @@
           <a:p>
             <a:fld id="{AB35F6B0-D468-4997-9CE3-CF2A1AE5E3F9}" type="datetimeFigureOut">
               <a:rPr lang="en-SG" smtClean="0"/>
-              <a:t>14/3/2023</a:t>
+              <a:t>20/3/2023</a:t>
             </a:fld>
             <a:endParaRPr lang="en-SG"/>
           </a:p>
@@ -4596,7 +4596,7 @@
           <a:p>
             <a:fld id="{AB35F6B0-D468-4997-9CE3-CF2A1AE5E3F9}" type="datetimeFigureOut">
               <a:rPr lang="en-SG" smtClean="0"/>
-              <a:t>14/3/2023</a:t>
+              <a:t>20/3/2023</a:t>
             </a:fld>
             <a:endParaRPr lang="en-SG"/>
           </a:p>
@@ -4909,7 +4909,7 @@
           <a:p>
             <a:fld id="{AB35F6B0-D468-4997-9CE3-CF2A1AE5E3F9}" type="datetimeFigureOut">
               <a:rPr lang="en-SG" smtClean="0"/>
-              <a:t>14/3/2023</a:t>
+              <a:t>20/3/2023</a:t>
             </a:fld>
             <a:endParaRPr lang="en-SG"/>
           </a:p>
@@ -5198,7 +5198,7 @@
           <a:p>
             <a:fld id="{AB35F6B0-D468-4997-9CE3-CF2A1AE5E3F9}" type="datetimeFigureOut">
               <a:rPr lang="en-SG" smtClean="0"/>
-              <a:t>14/3/2023</a:t>
+              <a:t>20/3/2023</a:t>
             </a:fld>
             <a:endParaRPr lang="en-SG"/>
           </a:p>
@@ -5441,7 +5441,7 @@
           <a:p>
             <a:fld id="{AB35F6B0-D468-4997-9CE3-CF2A1AE5E3F9}" type="datetimeFigureOut">
               <a:rPr lang="en-SG" smtClean="0"/>
-              <a:t>14/3/2023</a:t>
+              <a:t>20/3/2023</a:t>
             </a:fld>
             <a:endParaRPr lang="en-SG"/>
           </a:p>
@@ -11711,7 +11711,31 @@
             </a:r>
             <a:r>
               <a:rPr lang="en-GB" dirty="0"/>
-              <a:t>An identifier is a name given to a variable, function, or other entity in a program. Will follow rules, such as starting with a letter or underscore and consisting of letters, digits, and underscores.</a:t>
+              <a:t>An identifier is a </a:t>
+            </a:r>
+            <a:r>
+              <a:rPr lang="en-GB" b="1" dirty="0"/>
+              <a:t>name given to a variable</a:t>
+            </a:r>
+            <a:r>
+              <a:rPr lang="en-GB" dirty="0"/>
+              <a:t>, </a:t>
+            </a:r>
+            <a:r>
+              <a:rPr lang="en-GB" b="1" dirty="0"/>
+              <a:t>function</a:t>
+            </a:r>
+            <a:r>
+              <a:rPr lang="en-GB" dirty="0"/>
+              <a:t>, or </a:t>
+            </a:r>
+            <a:r>
+              <a:rPr lang="en-GB" b="1" dirty="0"/>
+              <a:t>other entity </a:t>
+            </a:r>
+            <a:r>
+              <a:rPr lang="en-GB" dirty="0"/>
+              <a:t>in a program. Will follow rules, such as starting with a letter or underscore and consisting of letters, digits, and underscores.</a:t>
             </a:r>
           </a:p>
           <a:p>

--- a/W8/W8S1/W8S1.pptx
+++ b/W8/W8S1/W8S1.pptx
@@ -303,7 +303,7 @@
   <pc:docChgLst>
     <pc:chgData name="Matthieu De Mari" userId="dfb708c9-d8dc-439f-9a3b-c772bf4a311c" providerId="ADAL" clId="{5AF9E225-0E3D-4808-B523-40F6E9A1D59D}"/>
     <pc:docChg chg="undo custSel mod addSld delSld modSld sldOrd modMainMaster addSection modSection">
-      <pc:chgData name="Matthieu De Mari" userId="dfb708c9-d8dc-439f-9a3b-c772bf4a311c" providerId="ADAL" clId="{5AF9E225-0E3D-4808-B523-40F6E9A1D59D}" dt="2023-03-20T08:28:30.862" v="4980" actId="113"/>
+      <pc:chgData name="Matthieu De Mari" userId="dfb708c9-d8dc-439f-9a3b-c772bf4a311c" providerId="ADAL" clId="{5AF9E225-0E3D-4808-B523-40F6E9A1D59D}" dt="2023-03-21T05:31:50.718" v="4982" actId="20577"/>
       <pc:docMkLst>
         <pc:docMk/>
       </pc:docMkLst>
@@ -2126,13 +2126,13 @@
         </pc:sldMkLst>
       </pc:sldChg>
       <pc:sldChg chg="modSp add mod">
-        <pc:chgData name="Matthieu De Mari" userId="dfb708c9-d8dc-439f-9a3b-c772bf4a311c" providerId="ADAL" clId="{5AF9E225-0E3D-4808-B523-40F6E9A1D59D}" dt="2023-03-14T09:03:50.345" v="4903" actId="20577"/>
+        <pc:chgData name="Matthieu De Mari" userId="dfb708c9-d8dc-439f-9a3b-c772bf4a311c" providerId="ADAL" clId="{5AF9E225-0E3D-4808-B523-40F6E9A1D59D}" dt="2023-03-21T05:31:50.718" v="4982" actId="20577"/>
         <pc:sldMkLst>
           <pc:docMk/>
           <pc:sldMk cId="3856210223" sldId="379"/>
         </pc:sldMkLst>
         <pc:spChg chg="mod">
-          <ac:chgData name="Matthieu De Mari" userId="dfb708c9-d8dc-439f-9a3b-c772bf4a311c" providerId="ADAL" clId="{5AF9E225-0E3D-4808-B523-40F6E9A1D59D}" dt="2023-03-14T09:03:50.345" v="4903" actId="20577"/>
+          <ac:chgData name="Matthieu De Mari" userId="dfb708c9-d8dc-439f-9a3b-c772bf4a311c" providerId="ADAL" clId="{5AF9E225-0E3D-4808-B523-40F6E9A1D59D}" dt="2023-03-21T05:31:50.718" v="4982" actId="20577"/>
           <ac:spMkLst>
             <pc:docMk/>
             <pc:sldMk cId="3856210223" sldId="379"/>
@@ -2271,7 +2271,7 @@
           <a:p>
             <a:fld id="{98CFC6A4-B085-437B-8084-693BEB2A32DE}" type="datetimeFigureOut">
               <a:rPr lang="en-SG" smtClean="0"/>
-              <a:t>20/3/2023</a:t>
+              <a:t>21/3/2023</a:t>
             </a:fld>
             <a:endParaRPr lang="en-SG"/>
           </a:p>
@@ -2772,7 +2772,7 @@
           <a:p>
             <a:fld id="{AB35F6B0-D468-4997-9CE3-CF2A1AE5E3F9}" type="datetimeFigureOut">
               <a:rPr lang="en-SG" smtClean="0"/>
-              <a:t>20/3/2023</a:t>
+              <a:t>21/3/2023</a:t>
             </a:fld>
             <a:endParaRPr lang="en-SG"/>
           </a:p>
@@ -2972,7 +2972,7 @@
           <a:p>
             <a:fld id="{AB35F6B0-D468-4997-9CE3-CF2A1AE5E3F9}" type="datetimeFigureOut">
               <a:rPr lang="en-SG" smtClean="0"/>
-              <a:t>20/3/2023</a:t>
+              <a:t>21/3/2023</a:t>
             </a:fld>
             <a:endParaRPr lang="en-SG"/>
           </a:p>
@@ -3182,7 +3182,7 @@
           <a:p>
             <a:fld id="{AB35F6B0-D468-4997-9CE3-CF2A1AE5E3F9}" type="datetimeFigureOut">
               <a:rPr lang="en-SG" smtClean="0"/>
-              <a:t>20/3/2023</a:t>
+              <a:t>21/3/2023</a:t>
             </a:fld>
             <a:endParaRPr lang="en-SG"/>
           </a:p>
@@ -3382,7 +3382,7 @@
           <a:p>
             <a:fld id="{AB35F6B0-D468-4997-9CE3-CF2A1AE5E3F9}" type="datetimeFigureOut">
               <a:rPr lang="en-SG" smtClean="0"/>
-              <a:t>20/3/2023</a:t>
+              <a:t>21/3/2023</a:t>
             </a:fld>
             <a:endParaRPr lang="en-SG"/>
           </a:p>
@@ -3658,7 +3658,7 @@
           <a:p>
             <a:fld id="{AB35F6B0-D468-4997-9CE3-CF2A1AE5E3F9}" type="datetimeFigureOut">
               <a:rPr lang="en-SG" smtClean="0"/>
-              <a:t>20/3/2023</a:t>
+              <a:t>21/3/2023</a:t>
             </a:fld>
             <a:endParaRPr lang="en-SG"/>
           </a:p>
@@ -3926,7 +3926,7 @@
           <a:p>
             <a:fld id="{AB35F6B0-D468-4997-9CE3-CF2A1AE5E3F9}" type="datetimeFigureOut">
               <a:rPr lang="en-SG" smtClean="0"/>
-              <a:t>20/3/2023</a:t>
+              <a:t>21/3/2023</a:t>
             </a:fld>
             <a:endParaRPr lang="en-SG"/>
           </a:p>
@@ -4341,7 +4341,7 @@
           <a:p>
             <a:fld id="{AB35F6B0-D468-4997-9CE3-CF2A1AE5E3F9}" type="datetimeFigureOut">
               <a:rPr lang="en-SG" smtClean="0"/>
-              <a:t>20/3/2023</a:t>
+              <a:t>21/3/2023</a:t>
             </a:fld>
             <a:endParaRPr lang="en-SG"/>
           </a:p>
@@ -4483,7 +4483,7 @@
           <a:p>
             <a:fld id="{AB35F6B0-D468-4997-9CE3-CF2A1AE5E3F9}" type="datetimeFigureOut">
               <a:rPr lang="en-SG" smtClean="0"/>
-              <a:t>20/3/2023</a:t>
+              <a:t>21/3/2023</a:t>
             </a:fld>
             <a:endParaRPr lang="en-SG"/>
           </a:p>
@@ -4596,7 +4596,7 @@
           <a:p>
             <a:fld id="{AB35F6B0-D468-4997-9CE3-CF2A1AE5E3F9}" type="datetimeFigureOut">
               <a:rPr lang="en-SG" smtClean="0"/>
-              <a:t>20/3/2023</a:t>
+              <a:t>21/3/2023</a:t>
             </a:fld>
             <a:endParaRPr lang="en-SG"/>
           </a:p>
@@ -4909,7 +4909,7 @@
           <a:p>
             <a:fld id="{AB35F6B0-D468-4997-9CE3-CF2A1AE5E3F9}" type="datetimeFigureOut">
               <a:rPr lang="en-SG" smtClean="0"/>
-              <a:t>20/3/2023</a:t>
+              <a:t>21/3/2023</a:t>
             </a:fld>
             <a:endParaRPr lang="en-SG"/>
           </a:p>
@@ -5198,7 +5198,7 @@
           <a:p>
             <a:fld id="{AB35F6B0-D468-4997-9CE3-CF2A1AE5E3F9}" type="datetimeFigureOut">
               <a:rPr lang="en-SG" smtClean="0"/>
-              <a:t>20/3/2023</a:t>
+              <a:t>21/3/2023</a:t>
             </a:fld>
             <a:endParaRPr lang="en-SG"/>
           </a:p>
@@ -5441,7 +5441,7 @@
           <a:p>
             <a:fld id="{AB35F6B0-D468-4997-9CE3-CF2A1AE5E3F9}" type="datetimeFigureOut">
               <a:rPr lang="en-SG" smtClean="0"/>
-              <a:t>20/3/2023</a:t>
+              <a:t>21/3/2023</a:t>
             </a:fld>
             <a:endParaRPr lang="en-SG"/>
           </a:p>
@@ -11977,12 +11977,8 @@
           <a:lstStyle/>
           <a:p>
             <a:r>
-              <a:rPr lang="en-GB" b="1" dirty="0" err="1"/>
-              <a:t>Litteral</a:t>
-            </a:r>
-            <a:r>
-              <a:rPr lang="en-GB" b="1" dirty="0"/>
-              <a:t>: </a:t>
+              <a:rPr lang="en-GB" b="1" dirty="0"/>
+              <a:t>Literal: </a:t>
             </a:r>
             <a:r>
               <a:rPr lang="en-GB" dirty="0"/>
@@ -12011,15 +12007,15 @@
             </a:pPr>
             <a:r>
               <a:rPr lang="en-GB" dirty="0"/>
-              <a:t>Examples of </a:t>
-            </a:r>
-            <a:r>
-              <a:rPr lang="en-GB" dirty="0" err="1"/>
-              <a:t>litterals</a:t>
-            </a:r>
-            <a:r>
-              <a:rPr lang="en-GB" dirty="0"/>
-              <a:t> in the C programming language: </a:t>
+              <a:t>Examples </a:t>
+            </a:r>
+            <a:r>
+              <a:rPr lang="en-GB"/>
+              <a:t>of literals </a:t>
+            </a:r>
+            <a:r>
+              <a:rPr lang="en-GB" dirty="0"/>
+              <a:t>in the C programming language: </a:t>
             </a:r>
           </a:p>
           <a:p>

--- a/W8/W8S1/W8S1.pptx
+++ b/W8/W8S1/W8S1.pptx
@@ -290,16 +290,32 @@
 </p188:authorLst>
 </file>
 
-<file path=ppt/revisionInfo.xml><?xml version="1.0" encoding="utf-8"?>
-<p1510:revInfo xmlns:a="http://schemas.openxmlformats.org/drawingml/2006/main" xmlns:r="http://schemas.openxmlformats.org/officeDocument/2006/relationships" xmlns:p1510="http://schemas.microsoft.com/office/powerpoint/2015/10/main">
-  <p1510:revLst>
-    <p1510:client id="{5AF9E225-0E3D-4808-B523-40F6E9A1D59D}" v="29" dt="2023-03-14T09:02:58.533"/>
-  </p1510:revLst>
-</p1510:revInfo>
-</file>
-
 <file path=ppt/changesInfos/changesInfo1.xml><?xml version="1.0" encoding="utf-8"?>
 <pc:chgInfo xmlns:a="http://schemas.openxmlformats.org/drawingml/2006/main" xmlns:r="http://schemas.openxmlformats.org/officeDocument/2006/relationships" xmlns:ac="http://schemas.microsoft.com/office/drawing/2013/main/command" xmlns:pc="http://schemas.microsoft.com/office/powerpoint/2013/main/command">
+  <pc:docChgLst>
+    <pc:chgData name="Matthieu DE MARI" userId="dfb708c9-d8dc-439f-9a3b-c772bf4a311c" providerId="ADAL" clId="{B798BDBB-C014-4ACA-B206-F1A557A03CA3}"/>
+    <pc:docChg chg="modSld">
+      <pc:chgData name="Matthieu DE MARI" userId="dfb708c9-d8dc-439f-9a3b-c772bf4a311c" providerId="ADAL" clId="{B798BDBB-C014-4ACA-B206-F1A557A03CA3}" dt="2023-08-25T07:02:32.393" v="3" actId="20577"/>
+      <pc:docMkLst>
+        <pc:docMk/>
+      </pc:docMkLst>
+      <pc:sldChg chg="modSp mod">
+        <pc:chgData name="Matthieu DE MARI" userId="dfb708c9-d8dc-439f-9a3b-c772bf4a311c" providerId="ADAL" clId="{B798BDBB-C014-4ACA-B206-F1A557A03CA3}" dt="2023-08-25T07:02:32.393" v="3" actId="20577"/>
+        <pc:sldMkLst>
+          <pc:docMk/>
+          <pc:sldMk cId="2858358615" sldId="314"/>
+        </pc:sldMkLst>
+        <pc:spChg chg="mod">
+          <ac:chgData name="Matthieu DE MARI" userId="dfb708c9-d8dc-439f-9a3b-c772bf4a311c" providerId="ADAL" clId="{B798BDBB-C014-4ACA-B206-F1A557A03CA3}" dt="2023-08-25T07:02:32.393" v="3" actId="20577"/>
+          <ac:spMkLst>
+            <pc:docMk/>
+            <pc:sldMk cId="2858358615" sldId="314"/>
+            <ac:spMk id="3" creationId="{FC4A93C0-0CAD-4BA5-9658-F523BC4C732F}"/>
+          </ac:spMkLst>
+        </pc:spChg>
+      </pc:sldChg>
+    </pc:docChg>
+  </pc:docChgLst>
   <pc:docChgLst>
     <pc:chgData name="Matthieu De Mari" userId="dfb708c9-d8dc-439f-9a3b-c772bf4a311c" providerId="ADAL" clId="{5AF9E225-0E3D-4808-B523-40F6E9A1D59D}"/>
     <pc:docChg chg="undo custSel mod addSld delSld modSld sldOrd modMainMaster addSection modSection">
@@ -2271,7 +2287,7 @@
           <a:p>
             <a:fld id="{98CFC6A4-B085-437B-8084-693BEB2A32DE}" type="datetimeFigureOut">
               <a:rPr lang="en-SG" smtClean="0"/>
-              <a:t>21/3/2023</a:t>
+              <a:t>25/8/2023</a:t>
             </a:fld>
             <a:endParaRPr lang="en-SG"/>
           </a:p>
@@ -2772,7 +2788,7 @@
           <a:p>
             <a:fld id="{AB35F6B0-D468-4997-9CE3-CF2A1AE5E3F9}" type="datetimeFigureOut">
               <a:rPr lang="en-SG" smtClean="0"/>
-              <a:t>21/3/2023</a:t>
+              <a:t>25/8/2023</a:t>
             </a:fld>
             <a:endParaRPr lang="en-SG"/>
           </a:p>
@@ -2972,7 +2988,7 @@
           <a:p>
             <a:fld id="{AB35F6B0-D468-4997-9CE3-CF2A1AE5E3F9}" type="datetimeFigureOut">
               <a:rPr lang="en-SG" smtClean="0"/>
-              <a:t>21/3/2023</a:t>
+              <a:t>25/8/2023</a:t>
             </a:fld>
             <a:endParaRPr lang="en-SG"/>
           </a:p>
@@ -3182,7 +3198,7 @@
           <a:p>
             <a:fld id="{AB35F6B0-D468-4997-9CE3-CF2A1AE5E3F9}" type="datetimeFigureOut">
               <a:rPr lang="en-SG" smtClean="0"/>
-              <a:t>21/3/2023</a:t>
+              <a:t>25/8/2023</a:t>
             </a:fld>
             <a:endParaRPr lang="en-SG"/>
           </a:p>
@@ -3382,7 +3398,7 @@
           <a:p>
             <a:fld id="{AB35F6B0-D468-4997-9CE3-CF2A1AE5E3F9}" type="datetimeFigureOut">
               <a:rPr lang="en-SG" smtClean="0"/>
-              <a:t>21/3/2023</a:t>
+              <a:t>25/8/2023</a:t>
             </a:fld>
             <a:endParaRPr lang="en-SG"/>
           </a:p>
@@ -3658,7 +3674,7 @@
           <a:p>
             <a:fld id="{AB35F6B0-D468-4997-9CE3-CF2A1AE5E3F9}" type="datetimeFigureOut">
               <a:rPr lang="en-SG" smtClean="0"/>
-              <a:t>21/3/2023</a:t>
+              <a:t>25/8/2023</a:t>
             </a:fld>
             <a:endParaRPr lang="en-SG"/>
           </a:p>
@@ -3926,7 +3942,7 @@
           <a:p>
             <a:fld id="{AB35F6B0-D468-4997-9CE3-CF2A1AE5E3F9}" type="datetimeFigureOut">
               <a:rPr lang="en-SG" smtClean="0"/>
-              <a:t>21/3/2023</a:t>
+              <a:t>25/8/2023</a:t>
             </a:fld>
             <a:endParaRPr lang="en-SG"/>
           </a:p>
@@ -4341,7 +4357,7 @@
           <a:p>
             <a:fld id="{AB35F6B0-D468-4997-9CE3-CF2A1AE5E3F9}" type="datetimeFigureOut">
               <a:rPr lang="en-SG" smtClean="0"/>
-              <a:t>21/3/2023</a:t>
+              <a:t>25/8/2023</a:t>
             </a:fld>
             <a:endParaRPr lang="en-SG"/>
           </a:p>
@@ -4483,7 +4499,7 @@
           <a:p>
             <a:fld id="{AB35F6B0-D468-4997-9CE3-CF2A1AE5E3F9}" type="datetimeFigureOut">
               <a:rPr lang="en-SG" smtClean="0"/>
-              <a:t>21/3/2023</a:t>
+              <a:t>25/8/2023</a:t>
             </a:fld>
             <a:endParaRPr lang="en-SG"/>
           </a:p>
@@ -4596,7 +4612,7 @@
           <a:p>
             <a:fld id="{AB35F6B0-D468-4997-9CE3-CF2A1AE5E3F9}" type="datetimeFigureOut">
               <a:rPr lang="en-SG" smtClean="0"/>
-              <a:t>21/3/2023</a:t>
+              <a:t>25/8/2023</a:t>
             </a:fld>
             <a:endParaRPr lang="en-SG"/>
           </a:p>
@@ -4909,7 +4925,7 @@
           <a:p>
             <a:fld id="{AB35F6B0-D468-4997-9CE3-CF2A1AE5E3F9}" type="datetimeFigureOut">
               <a:rPr lang="en-SG" smtClean="0"/>
-              <a:t>21/3/2023</a:t>
+              <a:t>25/8/2023</a:t>
             </a:fld>
             <a:endParaRPr lang="en-SG"/>
           </a:p>
@@ -5198,7 +5214,7 @@
           <a:p>
             <a:fld id="{AB35F6B0-D468-4997-9CE3-CF2A1AE5E3F9}" type="datetimeFigureOut">
               <a:rPr lang="en-SG" smtClean="0"/>
-              <a:t>21/3/2023</a:t>
+              <a:t>25/8/2023</a:t>
             </a:fld>
             <a:endParaRPr lang="en-SG"/>
           </a:p>
@@ -5441,7 +5457,7 @@
           <a:p>
             <a:fld id="{AB35F6B0-D468-4997-9CE3-CF2A1AE5E3F9}" type="datetimeFigureOut">
               <a:rPr lang="en-SG" smtClean="0"/>
-              <a:t>21/3/2023</a:t>
+              <a:t>25/8/2023</a:t>
             </a:fld>
             <a:endParaRPr lang="en-SG"/>
           </a:p>
@@ -19747,7 +19763,15 @@
           <a:p>
             <a:r>
               <a:rPr lang="en-SG" dirty="0"/>
-              <a:t>A bit of history on compilers</a:t>
+              <a:t>A bit of </a:t>
+            </a:r>
+            <a:r>
+              <a:rPr lang="en-SG"/>
+              <a:t>history of </a:t>
+            </a:r>
+            <a:r>
+              <a:rPr lang="en-SG" dirty="0"/>
+              <a:t>compilers</a:t>
             </a:r>
             <a:br>
               <a:rPr lang="en-SG" dirty="0"/>
